--- a/PPT/20.08.24.pptx
+++ b/PPT/20.08.24.pptx
@@ -5,15 +5,14 @@
     <p:sldMasterId id="2147483672" r:id="rId1"/>
   </p:sldMasterIdLst>
   <p:notesMasterIdLst>
-    <p:notesMasterId r:id="rId8"/>
+    <p:notesMasterId r:id="rId7"/>
   </p:notesMasterIdLst>
   <p:sldIdLst>
     <p:sldId id="256" r:id="rId2"/>
-    <p:sldId id="290" r:id="rId3"/>
-    <p:sldId id="308" r:id="rId4"/>
-    <p:sldId id="307" r:id="rId5"/>
-    <p:sldId id="304" r:id="rId6"/>
-    <p:sldId id="305" r:id="rId7"/>
+    <p:sldId id="308" r:id="rId3"/>
+    <p:sldId id="307" r:id="rId4"/>
+    <p:sldId id="304" r:id="rId5"/>
+    <p:sldId id="305" r:id="rId6"/>
   </p:sldIdLst>
   <p:sldSz cx="12192000" cy="6858000"/>
   <p:notesSz cx="6858000" cy="9144000"/>
@@ -213,7 +212,7 @@
           <a:p>
             <a:fld id="{41A801F7-FE95-4EF4-887A-C479620EF523}" type="datetimeFigureOut">
               <a:rPr lang="en-US" smtClean="0"/>
-              <a:t>8/11/2024</a:t>
+              <a:t>8/19/2024</a:t>
             </a:fld>
             <a:endParaRPr lang="en-US"/>
           </a:p>
@@ -627,7 +626,7 @@
           <a:p>
             <a:fld id="{314558B0-1D5E-4431-8910-2E8212D6A45B}" type="datetime1">
               <a:rPr lang="en-US" smtClean="0"/>
-              <a:t>8/11/2024</a:t>
+              <a:t>8/19/2024</a:t>
             </a:fld>
             <a:endParaRPr lang="en-US"/>
           </a:p>
@@ -825,7 +824,7 @@
           <a:p>
             <a:fld id="{91F8EBB6-E9AC-45B2-85D6-C780EBB1B1C8}" type="datetime1">
               <a:rPr lang="en-US" smtClean="0"/>
-              <a:t>8/11/2024</a:t>
+              <a:t>8/19/2024</a:t>
             </a:fld>
             <a:endParaRPr lang="en-US"/>
           </a:p>
@@ -1033,7 +1032,7 @@
           <a:p>
             <a:fld id="{240FE5E6-56A3-4E68-A8F5-B15952118276}" type="datetime1">
               <a:rPr lang="en-US" smtClean="0"/>
-              <a:t>8/11/2024</a:t>
+              <a:t>8/19/2024</a:t>
             </a:fld>
             <a:endParaRPr lang="en-US"/>
           </a:p>
@@ -1231,7 +1230,7 @@
           <a:p>
             <a:fld id="{F7065685-A766-49DE-8371-C50B25DBF935}" type="datetime1">
               <a:rPr lang="en-US" smtClean="0"/>
-              <a:t>8/11/2024</a:t>
+              <a:t>8/19/2024</a:t>
             </a:fld>
             <a:endParaRPr lang="en-US"/>
           </a:p>
@@ -1506,7 +1505,7 @@
           <a:p>
             <a:fld id="{160AA9B4-7A2F-4CB2-8BD9-1CF9CC88DC7D}" type="datetime1">
               <a:rPr lang="en-US" smtClean="0"/>
-              <a:t>8/11/2024</a:t>
+              <a:t>8/19/2024</a:t>
             </a:fld>
             <a:endParaRPr lang="en-US"/>
           </a:p>
@@ -1771,7 +1770,7 @@
           <a:p>
             <a:fld id="{0B0D3606-83FB-4129-8A69-F5C74C35CF63}" type="datetime1">
               <a:rPr lang="en-US" smtClean="0"/>
-              <a:t>8/11/2024</a:t>
+              <a:t>8/19/2024</a:t>
             </a:fld>
             <a:endParaRPr lang="en-US"/>
           </a:p>
@@ -2183,7 +2182,7 @@
           <a:p>
             <a:fld id="{11D35095-C1E6-476C-ADE5-2E06373B657E}" type="datetime1">
               <a:rPr lang="en-US" smtClean="0"/>
-              <a:t>8/11/2024</a:t>
+              <a:t>8/19/2024</a:t>
             </a:fld>
             <a:endParaRPr lang="en-US"/>
           </a:p>
@@ -2324,7 +2323,7 @@
           <a:p>
             <a:fld id="{2D9FD23E-B8D0-4AE8-AF9E-4F7C4530E942}" type="datetime1">
               <a:rPr lang="en-US" smtClean="0"/>
-              <a:t>8/11/2024</a:t>
+              <a:t>8/19/2024</a:t>
             </a:fld>
             <a:endParaRPr lang="en-US"/>
           </a:p>
@@ -2437,7 +2436,7 @@
           <a:p>
             <a:fld id="{A95E4FEE-0AC5-4D7B-9CED-C5B6AA50F7B2}" type="datetime1">
               <a:rPr lang="en-US" smtClean="0"/>
-              <a:t>8/11/2024</a:t>
+              <a:t>8/19/2024</a:t>
             </a:fld>
             <a:endParaRPr lang="en-US"/>
           </a:p>
@@ -2748,7 +2747,7 @@
           <a:p>
             <a:fld id="{D8A50B1D-2ED7-4112-9738-37F9AE382B77}" type="datetime1">
               <a:rPr lang="en-US" smtClean="0"/>
-              <a:t>8/11/2024</a:t>
+              <a:t>8/19/2024</a:t>
             </a:fld>
             <a:endParaRPr lang="en-US"/>
           </a:p>
@@ -3036,7 +3035,7 @@
           <a:p>
             <a:fld id="{94488E23-C5CA-4D11-BE30-38536E680B66}" type="datetime1">
               <a:rPr lang="en-US" smtClean="0"/>
-              <a:t>8/11/2024</a:t>
+              <a:t>8/19/2024</a:t>
             </a:fld>
             <a:endParaRPr lang="en-US"/>
           </a:p>
@@ -3277,7 +3276,7 @@
           <a:p>
             <a:fld id="{BB7DF273-8497-4B26-959D-1AE28D2FFB10}" type="datetime1">
               <a:rPr lang="en-US" smtClean="0"/>
-              <a:t>8/11/2024</a:t>
+              <a:t>8/19/2024</a:t>
             </a:fld>
             <a:endParaRPr lang="en-US"/>
           </a:p>
@@ -3707,8 +3706,8 @@
         </p:nvSpPr>
         <p:spPr>
           <a:xfrm>
-            <a:off x="916061" y="1208883"/>
-            <a:ext cx="10309412" cy="610067"/>
+            <a:off x="894516" y="1297660"/>
+            <a:ext cx="10402968" cy="1285742"/>
           </a:xfrm>
           <a:noFill/>
         </p:spPr>
@@ -3731,7 +3730,7 @@
                 <a:latin typeface="Arial" panose="020B0604020202020204" pitchFamily="34" charset="0"/>
                 <a:cs typeface="Arial" panose="020B0604020202020204" pitchFamily="34" charset="0"/>
               </a:rPr>
-              <a:t>Title of SOP/LOP/DOP</a:t>
+              <a:t>Developing a Convolutional Neural Network Model to detect cancerous and non-cancerous images </a:t>
             </a:r>
             <a:endParaRPr lang="en-US" sz="1600" dirty="0">
               <a:solidFill>
@@ -3843,7 +3842,7 @@
               <a:rPr lang="en-US" sz="2400" dirty="0">
                 <a:cs typeface="Arial" panose="020B0604020202020204" pitchFamily="34" charset="0"/>
               </a:rPr>
-              <a:t>XYZ</a:t>
+              <a:t>Piyush Kumar</a:t>
             </a:r>
           </a:p>
           <a:p>
@@ -3862,7 +3861,7 @@
               <a:rPr lang="en-US" sz="2400" dirty="0">
                 <a:cs typeface="Arial" panose="020B0604020202020204" pitchFamily="34" charset="0"/>
               </a:rPr>
-              <a:t>1234</a:t>
+              <a:t>2021B1A40815P</a:t>
             </a:r>
           </a:p>
           <a:p>
@@ -3877,6 +3876,15 @@
               </a:rPr>
               <a:t>Email: </a:t>
             </a:r>
+            <a:r>
+              <a:rPr lang="en-US" sz="2400" dirty="0">
+                <a:cs typeface="Arial" panose="020B0604020202020204" pitchFamily="34" charset="0"/>
+              </a:rPr>
+              <a:t>f20210815@pilani.bits-pilani.ac.in</a:t>
+            </a:r>
+            <a:endParaRPr lang="en-US" sz="2400" b="1" dirty="0">
+              <a:cs typeface="Arial" panose="020B0604020202020204" pitchFamily="34" charset="0"/>
+            </a:endParaRPr>
           </a:p>
         </p:txBody>
       </p:sp>
@@ -3922,8 +3930,8 @@
         </p:nvSpPr>
         <p:spPr>
           <a:xfrm>
-            <a:off x="584199" y="247564"/>
-            <a:ext cx="10515600" cy="1222647"/>
+            <a:off x="584199" y="417893"/>
+            <a:ext cx="10515600" cy="828201"/>
           </a:xfrm>
         </p:spPr>
         <p:txBody>
@@ -3940,9 +3948,12 @@
                 <a:latin typeface="Arial" panose="020B0604020202020204" pitchFamily="34" charset="0"/>
                 <a:cs typeface="Arial" panose="020B0604020202020204" pitchFamily="34" charset="0"/>
               </a:rPr>
-              <a:t>Guidelines</a:t>
+              <a:t>Objectives</a:t>
             </a:r>
             <a:endParaRPr lang="en-US" sz="2800" dirty="0">
+              <a:solidFill>
+                <a:schemeClr val="tx1"/>
+              </a:solidFill>
               <a:latin typeface="Arial" panose="020B0604020202020204" pitchFamily="34" charset="0"/>
               <a:cs typeface="Arial" panose="020B0604020202020204" pitchFamily="34" charset="0"/>
             </a:endParaRPr>
@@ -3988,8 +3999,8 @@
         </p:nvSpPr>
         <p:spPr>
           <a:xfrm>
-            <a:off x="584199" y="1470211"/>
-            <a:ext cx="11016398" cy="4154984"/>
+            <a:off x="695117" y="1524258"/>
+            <a:ext cx="9966965" cy="4832092"/>
           </a:xfrm>
           <a:prstGeom prst="rect">
             <a:avLst/>
@@ -4001,132 +4012,61 @@
           </a:bodyPr>
           <a:lstStyle/>
           <a:p>
-            <a:pPr algn="just"/>
-            <a:r>
-              <a:rPr lang="en-US" sz="2400" b="1" dirty="0"/>
-              <a:t>Objective: </a:t>
-            </a:r>
-            <a:r>
-              <a:rPr lang="en-US" sz="2400" dirty="0"/>
-              <a:t>Split your work into different objectives (</a:t>
-            </a:r>
-            <a:r>
-              <a:rPr lang="en-US" sz="2400" dirty="0">
-                <a:solidFill>
-                  <a:srgbClr val="C00000"/>
-                </a:solidFill>
-              </a:rPr>
-              <a:t>min 3</a:t>
-            </a:r>
-            <a:r>
-              <a:rPr lang="en-US" sz="2400" dirty="0"/>
-              <a:t>) (Ex. </a:t>
-            </a:r>
-            <a:r>
-              <a:rPr lang="en-US" sz="2400" dirty="0">
-                <a:solidFill>
-                  <a:srgbClr val="C00000"/>
-                </a:solidFill>
-              </a:rPr>
-              <a:t>Development of a model for microwave simulation of metal, Fabrication of high entropy alloy samples etc.</a:t>
-            </a:r>
-            <a:r>
-              <a:rPr lang="en-US" sz="2400" dirty="0"/>
-              <a:t>) to complete your work in steps </a:t>
-            </a:r>
-          </a:p>
-          <a:p>
-            <a:pPr algn="just"/>
-            <a:endParaRPr lang="en-US" sz="2400" dirty="0"/>
-          </a:p>
-          <a:p>
-            <a:pPr algn="just"/>
-            <a:r>
-              <a:rPr lang="en-US" sz="2400" b="1" dirty="0"/>
-              <a:t>Workplan:  </a:t>
-            </a:r>
-            <a:r>
-              <a:rPr lang="en-US" sz="2400" dirty="0"/>
-              <a:t>identify</a:t>
-            </a:r>
-            <a:r>
-              <a:rPr lang="en-US" sz="2400" b="1" dirty="0"/>
-              <a:t> </a:t>
-            </a:r>
-            <a:r>
-              <a:rPr lang="en-US" sz="2400" dirty="0"/>
-              <a:t>activities (</a:t>
-            </a:r>
-            <a:r>
-              <a:rPr lang="en-US" sz="2400" dirty="0">
-                <a:solidFill>
-                  <a:srgbClr val="C00000"/>
-                </a:solidFill>
-              </a:rPr>
-              <a:t>min 1</a:t>
-            </a:r>
-            <a:r>
-              <a:rPr lang="en-US" sz="2400" dirty="0"/>
-              <a:t>) (Ex. </a:t>
-            </a:r>
-            <a:r>
-              <a:rPr lang="en-US" sz="2400" dirty="0">
-                <a:solidFill>
-                  <a:srgbClr val="C00000"/>
-                </a:solidFill>
-              </a:rPr>
-              <a:t>Model development, simulation, sample fabrication, characterization of samples etc.</a:t>
-            </a:r>
-            <a:r>
-              <a:rPr lang="en-US" sz="2400" dirty="0"/>
-              <a:t>) against each objective to complete your planned work </a:t>
-            </a:r>
-          </a:p>
-          <a:p>
-            <a:pPr algn="just"/>
-            <a:endParaRPr lang="en-US" sz="2400" dirty="0"/>
-          </a:p>
-          <a:p>
-            <a:pPr algn="just"/>
-            <a:r>
-              <a:rPr lang="en-US" sz="2400" b="1" dirty="0"/>
-              <a:t>Timeline: </a:t>
-            </a:r>
-            <a:r>
-              <a:rPr lang="en-US" sz="2400" dirty="0"/>
-              <a:t>provide activity-wise outcomes (Ex. </a:t>
-            </a:r>
-            <a:r>
-              <a:rPr lang="en-US" sz="2400" dirty="0">
-                <a:solidFill>
-                  <a:srgbClr val="C00000"/>
-                </a:solidFill>
-              </a:rPr>
-              <a:t>model, simulation results, fabricated samples, characterization results etc.</a:t>
-            </a:r>
-            <a:r>
-              <a:rPr lang="en-US" sz="2400" dirty="0"/>
-              <a:t>) and dates (</a:t>
-            </a:r>
-            <a:r>
-              <a:rPr lang="en-US" sz="2400" dirty="0">
-                <a:solidFill>
-                  <a:srgbClr val="C00000"/>
-                </a:solidFill>
-              </a:rPr>
-              <a:t>will be used for evaluation of the proposed outcomes</a:t>
-            </a:r>
-            <a:r>
-              <a:rPr lang="en-US" sz="2400" dirty="0"/>
-              <a:t>) for completion of your work</a:t>
-            </a:r>
+            <a:r>
+              <a:rPr lang="en-US" sz="2800" b="1" dirty="0"/>
+              <a:t>Objective 1:</a:t>
+            </a:r>
+            <a:r>
+              <a:rPr lang="en-US" sz="2800" dirty="0"/>
+              <a:t> Build a CNN model to detect Lung Cancer images</a:t>
+            </a:r>
+          </a:p>
+          <a:p>
+            <a:endParaRPr lang="en-US" sz="2800" dirty="0"/>
+          </a:p>
+          <a:p>
+            <a:r>
+              <a:rPr lang="en-US" sz="2800" b="1" dirty="0"/>
+              <a:t>Objective 2:</a:t>
+            </a:r>
+            <a:r>
+              <a:rPr lang="en-US" sz="2800" dirty="0"/>
+              <a:t> Build a Generative Adversarial Networks (GAN)/Hybrid CNNs/Residual Networks based model to detect Skin or Breast Cancer.</a:t>
+            </a:r>
+          </a:p>
+          <a:p>
+            <a:endParaRPr lang="en-US" sz="2800" dirty="0"/>
+          </a:p>
+          <a:p>
+            <a:r>
+              <a:rPr lang="en-US" sz="2800" b="1" dirty="0"/>
+              <a:t>Objective 3:</a:t>
+            </a:r>
+            <a:r>
+              <a:rPr lang="en-US" sz="2800" dirty="0"/>
+              <a:t> Improve the detection based metrics of the above-built model.	</a:t>
+            </a:r>
+          </a:p>
+          <a:p>
+            <a:endParaRPr lang="en-US" sz="2800" dirty="0"/>
+          </a:p>
+          <a:p>
+            <a:r>
+              <a:rPr lang="en-US" sz="2800" b="1" dirty="0"/>
+              <a:t>Objective 4: </a:t>
+            </a:r>
+            <a:r>
+              <a:rPr lang="en-US" sz="2800" dirty="0"/>
+              <a:t>Draft and publish a research paper based on the results found.</a:t>
+            </a:r>
+            <a:endParaRPr lang="en-US" sz="2800" b="1" dirty="0"/>
           </a:p>
         </p:txBody>
       </p:sp>
     </p:spTree>
     <p:extLst>
       <p:ext uri="{BB962C8B-B14F-4D97-AF65-F5344CB8AC3E}">
-        <p14:creationId xmlns:p14="http://schemas.microsoft.com/office/powerpoint/2010/main" val="2294892161"/>
+        <p14:creationId xmlns:p14="http://schemas.microsoft.com/office/powerpoint/2010/main" val="2490563211"/>
       </p:ext>
     </p:extLst>
   </p:cSld>
@@ -4165,8 +4105,8 @@
         </p:nvSpPr>
         <p:spPr>
           <a:xfrm>
-            <a:off x="584199" y="417893"/>
-            <a:ext cx="10515600" cy="828201"/>
+            <a:off x="584199" y="247565"/>
+            <a:ext cx="10515600" cy="639540"/>
           </a:xfrm>
         </p:spPr>
         <p:txBody>
@@ -4175,19 +4115,20 @@
           </a:bodyPr>
           <a:lstStyle/>
           <a:p>
-            <a:r>
-              <a:rPr lang="en-US" sz="2800" b="1" dirty="0">
+            <a:pPr algn="just"/>
+            <a:r>
+              <a:rPr lang="en-US" sz="2800" b="1">
                 <a:solidFill>
                   <a:srgbClr val="0000CC"/>
                 </a:solidFill>
                 <a:latin typeface="Arial" panose="020B0604020202020204" pitchFamily="34" charset="0"/>
                 <a:cs typeface="Arial" panose="020B0604020202020204" pitchFamily="34" charset="0"/>
               </a:rPr>
-              <a:t>Objectives</a:t>
-            </a:r>
-            <a:endParaRPr lang="en-US" sz="2800" dirty="0">
+              <a:t>Work Plan</a:t>
+            </a:r>
+            <a:endParaRPr lang="en-US" sz="2800" b="1" dirty="0">
               <a:solidFill>
-                <a:schemeClr val="tx1"/>
+                <a:srgbClr val="0000CC"/>
               </a:solidFill>
               <a:latin typeface="Arial" panose="020B0604020202020204" pitchFamily="34" charset="0"/>
               <a:cs typeface="Arial" panose="020B0604020202020204" pitchFamily="34" charset="0"/>
@@ -4226,189 +4167,6 @@
           </a:p>
         </p:txBody>
       </p:sp>
-      <p:sp>
-        <p:nvSpPr>
-          <p:cNvPr id="17" name="Rectangle 16"/>
-          <p:cNvSpPr/>
-          <p:nvPr/>
-        </p:nvSpPr>
-        <p:spPr>
-          <a:xfrm>
-            <a:off x="668484" y="1606972"/>
-            <a:ext cx="11016398" cy="3785652"/>
-          </a:xfrm>
-          <a:prstGeom prst="rect">
-            <a:avLst/>
-          </a:prstGeom>
-        </p:spPr>
-        <p:txBody>
-          <a:bodyPr wrap="square">
-            <a:spAutoFit/>
-          </a:bodyPr>
-          <a:lstStyle/>
-          <a:p>
-            <a:pPr algn="just"/>
-            <a:r>
-              <a:rPr lang="en-US" sz="2400" b="1" dirty="0"/>
-              <a:t>Objective 1:</a:t>
-            </a:r>
-            <a:endParaRPr lang="en-US" sz="2400" dirty="0"/>
-          </a:p>
-          <a:p>
-            <a:pPr algn="just"/>
-            <a:endParaRPr lang="en-US" sz="2400" dirty="0"/>
-          </a:p>
-          <a:p>
-            <a:pPr algn="just"/>
-            <a:r>
-              <a:rPr lang="en-US" sz="2400" b="1" dirty="0"/>
-              <a:t>Objective 2:</a:t>
-            </a:r>
-            <a:endParaRPr lang="en-US" sz="2400" dirty="0"/>
-          </a:p>
-          <a:p>
-            <a:pPr algn="just"/>
-            <a:endParaRPr lang="en-US" sz="2400" b="1" dirty="0"/>
-          </a:p>
-          <a:p>
-            <a:pPr algn="just"/>
-            <a:r>
-              <a:rPr lang="en-US" sz="2400" b="1" dirty="0"/>
-              <a:t>Objective 3:</a:t>
-            </a:r>
-          </a:p>
-          <a:p>
-            <a:pPr algn="just"/>
-            <a:endParaRPr lang="en-US" sz="2400" b="1" dirty="0"/>
-          </a:p>
-          <a:p>
-            <a:pPr algn="just"/>
-            <a:r>
-              <a:rPr lang="en-US" sz="2400" b="1" dirty="0"/>
-              <a:t>Objective 4:</a:t>
-            </a:r>
-          </a:p>
-          <a:p>
-            <a:pPr algn="just"/>
-            <a:endParaRPr lang="en-US" sz="2400" b="1" dirty="0"/>
-          </a:p>
-          <a:p>
-            <a:pPr algn="just"/>
-            <a:r>
-              <a:rPr lang="en-US" sz="2400" b="1" dirty="0"/>
-              <a:t>Objective 5:</a:t>
-            </a:r>
-          </a:p>
-          <a:p>
-            <a:pPr algn="just"/>
-            <a:endParaRPr lang="en-US" sz="2400" b="1" dirty="0"/>
-          </a:p>
-        </p:txBody>
-      </p:sp>
-    </p:spTree>
-    <p:extLst>
-      <p:ext uri="{BB962C8B-B14F-4D97-AF65-F5344CB8AC3E}">
-        <p14:creationId xmlns:p14="http://schemas.microsoft.com/office/powerpoint/2010/main" val="2490563211"/>
-      </p:ext>
-    </p:extLst>
-  </p:cSld>
-  <p:clrMapOvr>
-    <a:masterClrMapping/>
-  </p:clrMapOvr>
-</p:sld>
-</file>
-
-<file path=ppt/slides/slide4.xml><?xml version="1.0" encoding="utf-8"?>
-<p:sld xmlns:a="http://schemas.openxmlformats.org/drawingml/2006/main" xmlns:r="http://schemas.openxmlformats.org/officeDocument/2006/relationships" xmlns:p="http://schemas.openxmlformats.org/presentationml/2006/main">
-  <p:cSld>
-    <p:spTree>
-      <p:nvGrpSpPr>
-        <p:cNvPr id="1" name=""/>
-        <p:cNvGrpSpPr/>
-        <p:nvPr/>
-      </p:nvGrpSpPr>
-      <p:grpSpPr>
-        <a:xfrm>
-          <a:off x="0" y="0"/>
-          <a:ext cx="0" cy="0"/>
-          <a:chOff x="0" y="0"/>
-          <a:chExt cx="0" cy="0"/>
-        </a:xfrm>
-      </p:grpSpPr>
-      <p:sp>
-        <p:nvSpPr>
-          <p:cNvPr id="2" name="Title 1"/>
-          <p:cNvSpPr>
-            <a:spLocks noGrp="1"/>
-          </p:cNvSpPr>
-          <p:nvPr>
-            <p:ph type="title"/>
-          </p:nvPr>
-        </p:nvSpPr>
-        <p:spPr>
-          <a:xfrm>
-            <a:off x="584199" y="247565"/>
-            <a:ext cx="10515600" cy="639540"/>
-          </a:xfrm>
-        </p:spPr>
-        <p:txBody>
-          <a:bodyPr>
-            <a:normAutofit/>
-          </a:bodyPr>
-          <a:lstStyle/>
-          <a:p>
-            <a:pPr algn="just"/>
-            <a:r>
-              <a:rPr lang="en-US" sz="2800" b="1">
-                <a:solidFill>
-                  <a:srgbClr val="0000CC"/>
-                </a:solidFill>
-                <a:latin typeface="Arial" panose="020B0604020202020204" pitchFamily="34" charset="0"/>
-                <a:cs typeface="Arial" panose="020B0604020202020204" pitchFamily="34" charset="0"/>
-              </a:rPr>
-              <a:t>Work Plan</a:t>
-            </a:r>
-            <a:endParaRPr lang="en-US" sz="2800" b="1" dirty="0">
-              <a:solidFill>
-                <a:srgbClr val="0000CC"/>
-              </a:solidFill>
-              <a:latin typeface="Arial" panose="020B0604020202020204" pitchFamily="34" charset="0"/>
-              <a:cs typeface="Arial" panose="020B0604020202020204" pitchFamily="34" charset="0"/>
-            </a:endParaRPr>
-          </a:p>
-        </p:txBody>
-      </p:sp>
-      <p:sp>
-        <p:nvSpPr>
-          <p:cNvPr id="9" name="Slide Number Placeholder 8"/>
-          <p:cNvSpPr>
-            <a:spLocks noGrp="1"/>
-          </p:cNvSpPr>
-          <p:nvPr>
-            <p:ph type="sldNum" sz="quarter" idx="12"/>
-          </p:nvPr>
-        </p:nvSpPr>
-        <p:spPr/>
-        <p:txBody>
-          <a:bodyPr/>
-          <a:lstStyle/>
-          <a:p>
-            <a:fld id="{F4A899BB-F262-4078-A8ED-F252A919F610}" type="slidenum">
-              <a:rPr lang="en-US" b="1" smtClean="0">
-                <a:solidFill>
-                  <a:schemeClr val="tx1"/>
-                </a:solidFill>
-              </a:rPr>
-              <a:t>4</a:t>
-            </a:fld>
-            <a:endParaRPr lang="en-US" b="1" dirty="0">
-              <a:solidFill>
-                <a:schemeClr val="tx1"/>
-              </a:solidFill>
-            </a:endParaRPr>
-          </a:p>
-        </p:txBody>
-      </p:sp>
       <p:graphicFrame>
         <p:nvGraphicFramePr>
           <p:cNvPr id="3" name="Table 2">
@@ -4424,14 +4182,14 @@
           <p:nvPr>
             <p:extLst>
               <p:ext uri="{D42A27DB-BD31-4B8C-83A1-F6EECF244321}">
-                <p14:modId xmlns:p14="http://schemas.microsoft.com/office/powerpoint/2010/main" val="3901857239"/>
+                <p14:modId xmlns:p14="http://schemas.microsoft.com/office/powerpoint/2010/main" val="3823387659"/>
               </p:ext>
             </p:extLst>
           </p:nvPr>
         </p:nvGraphicFramePr>
         <p:xfrm>
-          <a:off x="740949" y="1154236"/>
-          <a:ext cx="10662157" cy="4572000"/>
+          <a:off x="584199" y="832808"/>
+          <a:ext cx="10662157" cy="5577840"/>
         </p:xfrm>
         <a:graphic>
           <a:graphicData uri="http://schemas.openxmlformats.org/drawingml/2006/table">
@@ -4498,7 +4256,7 @@
                     <a:p>
                       <a:r>
                         <a:rPr lang="en-IN" sz="2400" dirty="0"/>
-                        <a:t>1. </a:t>
+                        <a:t>1. CNN based model to detect Lung Cancer.</a:t>
                       </a:r>
                       <a:endParaRPr lang="en-US" sz="2400" dirty="0"/>
                     </a:p>
@@ -4516,7 +4274,7 @@
                       </a:pPr>
                       <a:r>
                         <a:rPr lang="en-IN" sz="2400" dirty="0"/>
-                        <a:t>1</a:t>
+                        <a:t>Finding a research paper based on Lung Cancer detection using CNN.</a:t>
                       </a:r>
                     </a:p>
                     <a:p>
@@ -4526,7 +4284,7 @@
                       </a:pPr>
                       <a:r>
                         <a:rPr lang="en-IN" sz="2400" dirty="0"/>
-                        <a:t>2</a:t>
+                        <a:t>Developing a CNN based model to detect Lung Cancer.</a:t>
                       </a:r>
                     </a:p>
                   </a:txBody>
@@ -4539,102 +4297,6 @@
                 </a:extLst>
               </a:tr>
               <a:tr h="764274">
-                <a:tc>
-                  <a:txBody>
-                    <a:bodyPr/>
-                    <a:lstStyle/>
-                    <a:p>
-                      <a:r>
-                        <a:rPr lang="en-IN" sz="2400" dirty="0"/>
-                        <a:t>2. </a:t>
-                      </a:r>
-                      <a:endParaRPr lang="en-US" sz="2400" dirty="0"/>
-                    </a:p>
-                  </a:txBody>
-                  <a:tcPr/>
-                </a:tc>
-                <a:tc>
-                  <a:txBody>
-                    <a:bodyPr/>
-                    <a:lstStyle/>
-                    <a:p>
-                      <a:pPr marL="342900" indent="-342900">
-                        <a:buFont typeface="Arial" panose="020B0604020202020204" pitchFamily="34" charset="0"/>
-                        <a:buChar char="•"/>
-                      </a:pPr>
-                      <a:r>
-                        <a:rPr lang="en-IN" sz="2400" dirty="0"/>
-                        <a:t>1</a:t>
-                      </a:r>
-                    </a:p>
-                    <a:p>
-                      <a:pPr marL="342900" indent="-342900">
-                        <a:buFont typeface="Arial" panose="020B0604020202020204" pitchFamily="34" charset="0"/>
-                        <a:buChar char="•"/>
-                      </a:pPr>
-                      <a:r>
-                        <a:rPr lang="en-IN" sz="2400" dirty="0"/>
-                        <a:t>2</a:t>
-                      </a:r>
-                    </a:p>
-                  </a:txBody>
-                  <a:tcPr/>
-                </a:tc>
-                <a:extLst>
-                  <a:ext uri="{0D108BD9-81ED-4DB2-BD59-A6C34878D82A}">
-                    <a16:rowId xmlns:a16="http://schemas.microsoft.com/office/drawing/2014/main" val="2813581589"/>
-                  </a:ext>
-                </a:extLst>
-              </a:tr>
-              <a:tr h="750627">
-                <a:tc>
-                  <a:txBody>
-                    <a:bodyPr/>
-                    <a:lstStyle/>
-                    <a:p>
-                      <a:r>
-                        <a:rPr lang="en-IN" sz="2400" dirty="0"/>
-                        <a:t>3. </a:t>
-                      </a:r>
-                      <a:endParaRPr lang="en-US" sz="2400" dirty="0"/>
-                    </a:p>
-                  </a:txBody>
-                  <a:tcPr/>
-                </a:tc>
-                <a:tc>
-                  <a:txBody>
-                    <a:bodyPr/>
-                    <a:lstStyle/>
-                    <a:p>
-                      <a:pPr marL="342900" indent="-342900">
-                        <a:buFont typeface="Arial" panose="020B0604020202020204" pitchFamily="34" charset="0"/>
-                        <a:buChar char="•"/>
-                      </a:pPr>
-                      <a:r>
-                        <a:rPr lang="en-IN" sz="2400" dirty="0"/>
-                        <a:t>1</a:t>
-                      </a:r>
-                    </a:p>
-                    <a:p>
-                      <a:pPr marL="342900" indent="-342900">
-                        <a:buFont typeface="Arial" panose="020B0604020202020204" pitchFamily="34" charset="0"/>
-                        <a:buChar char="•"/>
-                      </a:pPr>
-                      <a:r>
-                        <a:rPr lang="en-IN" sz="2400" dirty="0"/>
-                        <a:t>2</a:t>
-                      </a:r>
-                    </a:p>
-                  </a:txBody>
-                  <a:tcPr/>
-                </a:tc>
-                <a:extLst>
-                  <a:ext uri="{0D108BD9-81ED-4DB2-BD59-A6C34878D82A}">
-                    <a16:rowId xmlns:a16="http://schemas.microsoft.com/office/drawing/2014/main" val="3597255819"/>
-                  </a:ext>
-                </a:extLst>
-              </a:tr>
-              <a:tr h="805218">
                 <a:tc>
                   <a:txBody>
                     <a:bodyPr/>
@@ -4659,7 +4321,77 @@
                       </a:pPr>
                       <a:r>
                         <a:rPr lang="en-IN" sz="2400" dirty="0"/>
-                        <a:t>4. </a:t>
+                        <a:t>2. </a:t>
+                      </a:r>
+                      <a:r>
+                        <a:rPr lang="en-US" sz="2400" dirty="0"/>
+                        <a:t>GAN/Hybrid CNNs/</a:t>
+                      </a:r>
+                      <a:r>
+                        <a:rPr lang="en-US" sz="2400" dirty="0" err="1"/>
+                        <a:t>ResNet</a:t>
+                      </a:r>
+                      <a:r>
+                        <a:rPr lang="en-US" sz="2400" dirty="0"/>
+                        <a:t> based model to detect Skin or Breast Cancer.</a:t>
+                      </a:r>
+                    </a:p>
+                    <a:p>
+                      <a:endParaRPr lang="en-US" sz="2400" dirty="0"/>
+                    </a:p>
+                  </a:txBody>
+                  <a:tcPr/>
+                </a:tc>
+                <a:tc>
+                  <a:txBody>
+                    <a:bodyPr/>
+                    <a:lstStyle/>
+                    <a:p>
+                      <a:pPr marL="342900" indent="-342900">
+                        <a:buFont typeface="Arial" panose="020B0604020202020204" pitchFamily="34" charset="0"/>
+                        <a:buChar char="•"/>
+                      </a:pPr>
+                      <a:r>
+                        <a:rPr lang="en-IN" sz="2400" dirty="0"/>
+                        <a:t>Finding a research paper based on Skin or Breast Cancer detection using GAN/Hybrid CNNs/ </a:t>
+                      </a:r>
+                      <a:r>
+                        <a:rPr lang="en-IN" sz="2400" dirty="0" err="1"/>
+                        <a:t>ResNet</a:t>
+                      </a:r>
+                      <a:r>
+                        <a:rPr lang="en-IN" sz="2400" dirty="0"/>
+                        <a:t> based models.</a:t>
+                      </a:r>
+                    </a:p>
+                    <a:p>
+                      <a:pPr marL="342900" indent="-342900">
+                        <a:buFont typeface="Arial" panose="020B0604020202020204" pitchFamily="34" charset="0"/>
+                        <a:buChar char="•"/>
+                      </a:pPr>
+                      <a:r>
+                        <a:rPr lang="en-IN" sz="2400" dirty="0"/>
+                        <a:t>Developing a similar model to detect Skin or Breast Cancer.</a:t>
+                      </a:r>
+                    </a:p>
+                  </a:txBody>
+                  <a:tcPr/>
+                </a:tc>
+                <a:extLst>
+                  <a:ext uri="{0D108BD9-81ED-4DB2-BD59-A6C34878D82A}">
+                    <a16:rowId xmlns:a16="http://schemas.microsoft.com/office/drawing/2014/main" val="2813581589"/>
+                  </a:ext>
+                </a:extLst>
+              </a:tr>
+              <a:tr h="750627">
+                <a:tc>
+                  <a:txBody>
+                    <a:bodyPr/>
+                    <a:lstStyle/>
+                    <a:p>
+                      <a:r>
+                        <a:rPr lang="en-IN" sz="2400" dirty="0"/>
+                        <a:t>3. Improving detection based metrics.</a:t>
                       </a:r>
                       <a:endParaRPr lang="en-US" sz="2400" dirty="0"/>
                     </a:p>
@@ -4677,7 +4409,7 @@
                       </a:pPr>
                       <a:r>
                         <a:rPr lang="en-IN" sz="2400" dirty="0"/>
-                        <a:t>1</a:t>
+                        <a:t>Learning Open CV and Image Processing techniques to improve the metrics.</a:t>
                       </a:r>
                     </a:p>
                     <a:p>
@@ -4685,17 +4417,14 @@
                         <a:buFont typeface="Arial" panose="020B0604020202020204" pitchFamily="34" charset="0"/>
                         <a:buChar char="•"/>
                       </a:pPr>
-                      <a:r>
-                        <a:rPr lang="en-IN" sz="2400" dirty="0"/>
-                        <a:t>2</a:t>
-                      </a:r>
+                      <a:endParaRPr lang="en-IN" sz="2400" dirty="0"/>
                     </a:p>
                   </a:txBody>
                   <a:tcPr/>
                 </a:tc>
                 <a:extLst>
                   <a:ext uri="{0D108BD9-81ED-4DB2-BD59-A6C34878D82A}">
-                    <a16:rowId xmlns:a16="http://schemas.microsoft.com/office/drawing/2014/main" val="2907496924"/>
+                    <a16:rowId xmlns:a16="http://schemas.microsoft.com/office/drawing/2014/main" val="3597255819"/>
                   </a:ext>
                 </a:extLst>
               </a:tr>
@@ -4706,10 +4435,9 @@
                     <a:lstStyle/>
                     <a:p>
                       <a:r>
-                        <a:rPr lang="en-IN" sz="2400" dirty="0"/>
-                        <a:t>5. </a:t>
+                        <a:rPr lang="en-US" sz="2400" dirty="0"/>
+                        <a:t>4. Publishing the research paper.</a:t>
                       </a:r>
-                      <a:endParaRPr lang="en-US" sz="2400" dirty="0"/>
                     </a:p>
                   </a:txBody>
                   <a:tcPr/>
@@ -4725,17 +4453,7 @@
                       </a:pPr>
                       <a:r>
                         <a:rPr lang="en-IN" sz="2400" dirty="0"/>
-                        <a:t>1</a:t>
-                      </a:r>
-                    </a:p>
-                    <a:p>
-                      <a:pPr marL="342900" indent="-342900">
-                        <a:buFont typeface="Arial" panose="020B0604020202020204" pitchFamily="34" charset="0"/>
-                        <a:buChar char="•"/>
-                      </a:pPr>
-                      <a:r>
-                        <a:rPr lang="en-IN" sz="2400" dirty="0"/>
-                        <a:t>2</a:t>
+                        <a:t>Comparing all the metrics of different models and sharing the results.</a:t>
                       </a:r>
                     </a:p>
                   </a:txBody>
@@ -4743,7 +4461,7 @@
                 </a:tc>
                 <a:extLst>
                   <a:ext uri="{0D108BD9-81ED-4DB2-BD59-A6C34878D82A}">
-                    <a16:rowId xmlns:a16="http://schemas.microsoft.com/office/drawing/2014/main" val="1010197008"/>
+                    <a16:rowId xmlns:a16="http://schemas.microsoft.com/office/drawing/2014/main" val="1423439589"/>
                   </a:ext>
                 </a:extLst>
               </a:tr>
@@ -4764,7 +4482,7 @@
 </p:sld>
 </file>
 
-<file path=ppt/slides/slide5.xml><?xml version="1.0" encoding="utf-8"?>
+<file path=ppt/slides/slide4.xml><?xml version="1.0" encoding="utf-8"?>
 <p:sld xmlns:a="http://schemas.openxmlformats.org/drawingml/2006/main" xmlns:r="http://schemas.openxmlformats.org/officeDocument/2006/relationships" xmlns:p="http://schemas.openxmlformats.org/presentationml/2006/main">
   <p:cSld>
     <p:spTree>
@@ -4793,7 +4511,7 @@
         </p:nvSpPr>
         <p:spPr>
           <a:xfrm>
-            <a:off x="584199" y="247565"/>
+            <a:off x="539811" y="86619"/>
             <a:ext cx="10515600" cy="639540"/>
           </a:xfrm>
         </p:spPr>
@@ -4838,7 +4556,7 @@
                   <a:schemeClr val="tx1"/>
                 </a:solidFill>
               </a:rPr>
-              <a:t>5</a:t>
+              <a:t>4</a:t>
             </a:fld>
             <a:endParaRPr lang="en-US" b="1" dirty="0">
               <a:solidFill>
@@ -4857,14 +4575,14 @@
           <p:nvPr>
             <p:extLst>
               <p:ext uri="{D42A27DB-BD31-4B8C-83A1-F6EECF244321}">
-                <p14:modId xmlns:p14="http://schemas.microsoft.com/office/powerpoint/2010/main" val="1116201443"/>
+                <p14:modId xmlns:p14="http://schemas.microsoft.com/office/powerpoint/2010/main" val="2161448420"/>
               </p:ext>
             </p:extLst>
           </p:nvPr>
         </p:nvGraphicFramePr>
         <p:xfrm>
-          <a:off x="803703" y="1349225"/>
-          <a:ext cx="10715944" cy="4646692"/>
+          <a:off x="230819" y="692458"/>
+          <a:ext cx="11745158" cy="5798410"/>
         </p:xfrm>
         <a:graphic>
           <a:graphicData uri="http://schemas.openxmlformats.org/drawingml/2006/table">
@@ -4873,21 +4591,21 @@
                 <a:tableStyleId>{5940675A-B579-460E-94D1-54222C63F5DA}</a:tableStyleId>
               </a:tblPr>
               <a:tblGrid>
-                <a:gridCol w="2032000">
+                <a:gridCol w="3204839">
                   <a:extLst>
                     <a:ext uri="{9D8B030D-6E8A-4147-A177-3AD203B41FA5}">
                       <a16:colId xmlns:a16="http://schemas.microsoft.com/office/drawing/2014/main" val="1699741287"/>
                     </a:ext>
                   </a:extLst>
                 </a:gridCol>
-                <a:gridCol w="5886956">
+                <a:gridCol w="5474694">
                   <a:extLst>
                     <a:ext uri="{9D8B030D-6E8A-4147-A177-3AD203B41FA5}">
                       <a16:colId xmlns:a16="http://schemas.microsoft.com/office/drawing/2014/main" val="2939973086"/>
                     </a:ext>
                   </a:extLst>
                 </a:gridCol>
-                <a:gridCol w="2796988">
+                <a:gridCol w="3065625">
                   <a:extLst>
                     <a:ext uri="{9D8B030D-6E8A-4147-A177-3AD203B41FA5}">
                       <a16:colId xmlns:a16="http://schemas.microsoft.com/office/drawing/2014/main" val="2098832766"/>
@@ -4895,7 +4613,7 @@
                   </a:extLst>
                 </a:gridCol>
               </a:tblGrid>
-              <a:tr h="370840">
+              <a:tr h="358091">
                 <a:tc>
                   <a:txBody>
                     <a:bodyPr/>
@@ -4903,7 +4621,7 @@
                     <a:p>
                       <a:pPr algn="ctr"/>
                       <a:r>
-                        <a:rPr lang="en-US" sz="2400" b="1" dirty="0"/>
+                        <a:rPr lang="en-US" sz="1400" b="1" dirty="0"/>
                         <a:t>Activities </a:t>
                       </a:r>
                     </a:p>
@@ -4917,7 +4635,7 @@
                     <a:p>
                       <a:pPr algn="ctr"/>
                       <a:r>
-                        <a:rPr lang="en-US" sz="2400" b="1" dirty="0"/>
+                        <a:rPr lang="en-US" sz="1400" b="1" dirty="0"/>
                         <a:t>Expected Outcome</a:t>
                       </a:r>
                     </a:p>
@@ -4931,7 +4649,7 @@
                     <a:p>
                       <a:pPr marL="0" algn="ctr" defTabSz="914400" rtl="0" eaLnBrk="1" latinLnBrk="0" hangingPunct="1"/>
                       <a:r>
-                        <a:rPr lang="en-IN" sz="2400" b="1" kern="1200" dirty="0">
+                        <a:rPr lang="en-IN" sz="1400" b="1" kern="1200" dirty="0">
                           <a:solidFill>
                             <a:schemeClr val="tx1"/>
                           </a:solidFill>
@@ -4942,7 +4660,7 @@
                         <a:t>Tentative D</a:t>
                       </a:r>
                       <a:r>
-                        <a:rPr lang="en-US" sz="2400" b="1" kern="1200" dirty="0">
+                        <a:rPr lang="en-US" sz="1400" b="1" kern="1200" dirty="0">
                           <a:solidFill>
                             <a:schemeClr val="tx1"/>
                           </a:solidFill>
@@ -4962,17 +4680,17 @@
                   </a:ext>
                 </a:extLst>
               </a:tr>
-              <a:tr h="752986">
+              <a:tr h="1072934">
                 <a:tc>
                   <a:txBody>
                     <a:bodyPr/>
                     <a:lstStyle/>
                     <a:p>
                       <a:r>
-                        <a:rPr lang="en-IN" sz="2400" dirty="0"/>
-                        <a:t>1. </a:t>
+                        <a:rPr lang="en-IN" sz="1400" dirty="0"/>
+                        <a:t>1.1. Finding a research paper based on lung cancer detection</a:t>
                       </a:r>
-                      <a:endParaRPr lang="en-US" sz="2400" dirty="0"/>
+                      <a:endParaRPr lang="en-US" sz="1400" dirty="0"/>
                     </a:p>
                   </a:txBody>
                   <a:tcPr/>
@@ -4982,7 +4700,10 @@
                     <a:bodyPr/>
                     <a:lstStyle/>
                     <a:p>
-                      <a:endParaRPr lang="en-US" sz="2400" dirty="0"/>
+                      <a:r>
+                        <a:rPr lang="en-US" sz="1400" dirty="0"/>
+                        <a:t>Learning about contemporary techniques used in Lung Cancer detection and previous work done in this field. </a:t>
+                      </a:r>
                     </a:p>
                   </a:txBody>
                   <a:tcPr/>
@@ -4992,7 +4713,10 @@
                     <a:bodyPr/>
                     <a:lstStyle/>
                     <a:p>
-                      <a:endParaRPr lang="en-US" sz="1600" dirty="0"/>
+                      <a:r>
+                        <a:rPr lang="en-US" sz="1400" dirty="0"/>
+                        <a:t>08.08.24</a:t>
+                      </a:r>
                     </a:p>
                   </a:txBody>
                   <a:tcPr/>
@@ -5003,89 +4727,7 @@
                   </a:ext>
                 </a:extLst>
               </a:tr>
-              <a:tr h="764274">
-                <a:tc>
-                  <a:txBody>
-                    <a:bodyPr/>
-                    <a:lstStyle/>
-                    <a:p>
-                      <a:r>
-                        <a:rPr lang="en-IN" sz="2400" dirty="0"/>
-                        <a:t>2. </a:t>
-                      </a:r>
-                      <a:endParaRPr lang="en-US" sz="2400" dirty="0"/>
-                    </a:p>
-                  </a:txBody>
-                  <a:tcPr/>
-                </a:tc>
-                <a:tc>
-                  <a:txBody>
-                    <a:bodyPr/>
-                    <a:lstStyle/>
-                    <a:p>
-                      <a:endParaRPr lang="en-US" sz="2400" dirty="0"/>
-                    </a:p>
-                  </a:txBody>
-                  <a:tcPr/>
-                </a:tc>
-                <a:tc>
-                  <a:txBody>
-                    <a:bodyPr/>
-                    <a:lstStyle/>
-                    <a:p>
-                      <a:endParaRPr lang="en-US" sz="1600"/>
-                    </a:p>
-                  </a:txBody>
-                  <a:tcPr/>
-                </a:tc>
-                <a:extLst>
-                  <a:ext uri="{0D108BD9-81ED-4DB2-BD59-A6C34878D82A}">
-                    <a16:rowId xmlns:a16="http://schemas.microsoft.com/office/drawing/2014/main" val="2813581589"/>
-                  </a:ext>
-                </a:extLst>
-              </a:tr>
-              <a:tr h="750627">
-                <a:tc>
-                  <a:txBody>
-                    <a:bodyPr/>
-                    <a:lstStyle/>
-                    <a:p>
-                      <a:r>
-                        <a:rPr lang="en-IN" sz="2400" dirty="0"/>
-                        <a:t>3. </a:t>
-                      </a:r>
-                      <a:endParaRPr lang="en-US" sz="2400" dirty="0"/>
-                    </a:p>
-                  </a:txBody>
-                  <a:tcPr/>
-                </a:tc>
-                <a:tc>
-                  <a:txBody>
-                    <a:bodyPr/>
-                    <a:lstStyle/>
-                    <a:p>
-                      <a:endParaRPr lang="en-US" sz="2400" dirty="0"/>
-                    </a:p>
-                  </a:txBody>
-                  <a:tcPr/>
-                </a:tc>
-                <a:tc>
-                  <a:txBody>
-                    <a:bodyPr/>
-                    <a:lstStyle/>
-                    <a:p>
-                      <a:endParaRPr lang="en-US" sz="1600" dirty="0"/>
-                    </a:p>
-                  </a:txBody>
-                  <a:tcPr/>
-                </a:tc>
-                <a:extLst>
-                  <a:ext uri="{0D108BD9-81ED-4DB2-BD59-A6C34878D82A}">
-                    <a16:rowId xmlns:a16="http://schemas.microsoft.com/office/drawing/2014/main" val="3597255819"/>
-                  </a:ext>
-                </a:extLst>
-              </a:tr>
-              <a:tr h="805218">
+              <a:tr h="745875">
                 <a:tc>
                   <a:txBody>
                     <a:bodyPr/>
@@ -5109,10 +4751,9 @@
                         <a:defRPr/>
                       </a:pPr>
                       <a:r>
-                        <a:rPr lang="en-IN" sz="2400" dirty="0"/>
-                        <a:t>4. </a:t>
+                        <a:rPr lang="en-IN" sz="1400" dirty="0"/>
+                        <a:t>2. Developing a CNN based model to detect Lung Cancer.</a:t>
                       </a:r>
-                      <a:endParaRPr lang="en-US" sz="2400" dirty="0"/>
                     </a:p>
                   </a:txBody>
                   <a:tcPr/>
@@ -5122,7 +4763,10 @@
                     <a:bodyPr/>
                     <a:lstStyle/>
                     <a:p>
-                      <a:endParaRPr lang="en-US" sz="2400" dirty="0"/>
+                      <a:r>
+                        <a:rPr lang="en-US" sz="1400" dirty="0"/>
+                        <a:t>Introduction to vast coding structure of CNN models and dataset analysis and implementation of a CNN model. </a:t>
+                      </a:r>
                     </a:p>
                   </a:txBody>
                   <a:tcPr/>
@@ -5132,7 +4776,147 @@
                     <a:bodyPr/>
                     <a:lstStyle/>
                     <a:p>
-                      <a:endParaRPr lang="en-US" sz="1600"/>
+                      <a:r>
+                        <a:rPr lang="en-US" sz="1400" dirty="0"/>
+                        <a:t>20.08.24</a:t>
+                      </a:r>
+                    </a:p>
+                  </a:txBody>
+                  <a:tcPr/>
+                </a:tc>
+                <a:extLst>
+                  <a:ext uri="{0D108BD9-81ED-4DB2-BD59-A6C34878D82A}">
+                    <a16:rowId xmlns:a16="http://schemas.microsoft.com/office/drawing/2014/main" val="2813581589"/>
+                  </a:ext>
+                </a:extLst>
+              </a:tr>
+              <a:tr h="1084158">
+                <a:tc>
+                  <a:txBody>
+                    <a:bodyPr/>
+                    <a:lstStyle/>
+                    <a:p>
+                      <a:pPr marL="0" marR="0" lvl="0" indent="0" algn="l" defTabSz="914400" rtl="0" eaLnBrk="1" fontAlgn="auto" latinLnBrk="0" hangingPunct="1">
+                        <a:lnSpc>
+                          <a:spcPct val="100000"/>
+                        </a:lnSpc>
+                        <a:spcBef>
+                          <a:spcPts val="0"/>
+                        </a:spcBef>
+                        <a:spcAft>
+                          <a:spcPts val="0"/>
+                        </a:spcAft>
+                        <a:buClrTx/>
+                        <a:buSzTx/>
+                        <a:buFontTx/>
+                        <a:buNone/>
+                        <a:tabLst/>
+                        <a:defRPr/>
+                      </a:pPr>
+                      <a:r>
+                        <a:rPr lang="en-IN" sz="1400" dirty="0"/>
+                        <a:t>3. Finding a research paper based on Skin or Breast Cancer detection using GAN/Hybrid CNNs/ </a:t>
+                      </a:r>
+                      <a:r>
+                        <a:rPr lang="en-IN" sz="1400" dirty="0" err="1"/>
+                        <a:t>ResNet</a:t>
+                      </a:r>
+                      <a:r>
+                        <a:rPr lang="en-IN" sz="1400" dirty="0"/>
+                        <a:t> based models.</a:t>
+                      </a:r>
+                    </a:p>
+                    <a:p>
+                      <a:endParaRPr lang="en-US" sz="1400" dirty="0"/>
+                    </a:p>
+                  </a:txBody>
+                  <a:tcPr/>
+                </a:tc>
+                <a:tc>
+                  <a:txBody>
+                    <a:bodyPr/>
+                    <a:lstStyle/>
+                    <a:p>
+                      <a:r>
+                        <a:rPr lang="en-US" sz="1400" dirty="0"/>
+                        <a:t>Generative Adversarial Networks (GAN), Hybrid CNNs, Residual Networks based models and comparison of their individual results.</a:t>
+                      </a:r>
+                    </a:p>
+                  </a:txBody>
+                  <a:tcPr/>
+                </a:tc>
+                <a:tc>
+                  <a:txBody>
+                    <a:bodyPr/>
+                    <a:lstStyle/>
+                    <a:p>
+                      <a:r>
+                        <a:rPr lang="en-US" sz="1400" dirty="0"/>
+                        <a:t>30.08.24</a:t>
+                      </a:r>
+                    </a:p>
+                  </a:txBody>
+                  <a:tcPr/>
+                </a:tc>
+                <a:extLst>
+                  <a:ext uri="{0D108BD9-81ED-4DB2-BD59-A6C34878D82A}">
+                    <a16:rowId xmlns:a16="http://schemas.microsoft.com/office/drawing/2014/main" val="3597255819"/>
+                  </a:ext>
+                </a:extLst>
+              </a:tr>
+              <a:tr h="785834">
+                <a:tc>
+                  <a:txBody>
+                    <a:bodyPr/>
+                    <a:lstStyle/>
+                    <a:p>
+                      <a:pPr marL="0" marR="0" lvl="0" indent="0" algn="l" defTabSz="914400" rtl="0" eaLnBrk="1" fontAlgn="auto" latinLnBrk="0" hangingPunct="1">
+                        <a:lnSpc>
+                          <a:spcPct val="100000"/>
+                        </a:lnSpc>
+                        <a:spcBef>
+                          <a:spcPts val="0"/>
+                        </a:spcBef>
+                        <a:spcAft>
+                          <a:spcPts val="0"/>
+                        </a:spcAft>
+                        <a:buClrTx/>
+                        <a:buSzTx/>
+                        <a:buFontTx/>
+                        <a:buNone/>
+                        <a:tabLst/>
+                        <a:defRPr/>
+                      </a:pPr>
+                      <a:r>
+                        <a:rPr lang="en-IN" sz="1400" dirty="0"/>
+                        <a:t>4. Developing a similar model to detect Skin or Breast Cancer.</a:t>
+                      </a:r>
+                    </a:p>
+                  </a:txBody>
+                  <a:tcPr/>
+                </a:tc>
+                <a:tc>
+                  <a:txBody>
+                    <a:bodyPr/>
+                    <a:lstStyle/>
+                    <a:p>
+                      <a:r>
+                        <a:rPr lang="en-US" sz="1400" dirty="0"/>
+                        <a:t>Based on the comparison of metrics of GAN, Hybrid CNNs and Residual Networks, the best algorithm will be selected to form this Cancer Detection model.</a:t>
+                      </a:r>
+                    </a:p>
+                  </a:txBody>
+                  <a:tcPr/>
+                </a:tc>
+                <a:tc>
+                  <a:txBody>
+                    <a:bodyPr/>
+                    <a:lstStyle/>
+                    <a:p>
+                      <a:r>
+                        <a:rPr lang="en-US" sz="1400" dirty="0"/>
+                        <a:t>21.09.24</a:t>
+                      </a:r>
                     </a:p>
                   </a:txBody>
                   <a:tcPr/>
@@ -5143,13 +4927,37 @@
                   </a:ext>
                 </a:extLst>
               </a:tr>
-              <a:tr h="750627">
+              <a:tr h="732556">
                 <a:tc>
                   <a:txBody>
                     <a:bodyPr/>
                     <a:lstStyle/>
                     <a:p>
-                      <a:endParaRPr lang="en-US" sz="2400" dirty="0"/>
+                      <a:pPr marL="0" marR="0" lvl="0" indent="0" algn="l" defTabSz="914400" rtl="0" eaLnBrk="1" fontAlgn="auto" latinLnBrk="0" hangingPunct="1">
+                        <a:lnSpc>
+                          <a:spcPct val="100000"/>
+                        </a:lnSpc>
+                        <a:spcBef>
+                          <a:spcPts val="0"/>
+                        </a:spcBef>
+                        <a:spcAft>
+                          <a:spcPts val="0"/>
+                        </a:spcAft>
+                        <a:buClrTx/>
+                        <a:buSzTx/>
+                        <a:buFontTx/>
+                        <a:buNone/>
+                        <a:tabLst/>
+                        <a:defRPr/>
+                      </a:pPr>
+                      <a:r>
+                        <a:rPr lang="en-US" sz="1400" dirty="0"/>
+                        <a:t>5. </a:t>
+                      </a:r>
+                      <a:r>
+                        <a:rPr lang="en-IN" sz="1400" dirty="0"/>
+                        <a:t>Learning Open CV and Image Processing techniques to improve the metrics.</a:t>
+                      </a:r>
                     </a:p>
                   </a:txBody>
                   <a:tcPr/>
@@ -5159,7 +4967,10 @@
                     <a:bodyPr/>
                     <a:lstStyle/>
                     <a:p>
-                      <a:endParaRPr lang="en-US" sz="2400" dirty="0"/>
+                      <a:r>
+                        <a:rPr lang="en-US" sz="1400" dirty="0"/>
+                        <a:t>After learning Open CV and Image Processing, segregation of certain techniques will be done in order to improve performance of the model.</a:t>
+                      </a:r>
                     </a:p>
                   </a:txBody>
                   <a:tcPr/>
@@ -5169,7 +4980,10 @@
                     <a:bodyPr/>
                     <a:lstStyle/>
                     <a:p>
-                      <a:endParaRPr lang="en-US" sz="1600" dirty="0"/>
+                      <a:r>
+                        <a:rPr lang="en-US" sz="1400" dirty="0"/>
+                        <a:t>20.10.24</a:t>
+                      </a:r>
                     </a:p>
                   </a:txBody>
                   <a:tcPr/>
@@ -5177,6 +4991,89 @@
                 <a:extLst>
                   <a:ext uri="{0D108BD9-81ED-4DB2-BD59-A6C34878D82A}">
                     <a16:rowId xmlns:a16="http://schemas.microsoft.com/office/drawing/2014/main" val="1010197008"/>
+                  </a:ext>
+                </a:extLst>
+              </a:tr>
+              <a:tr h="884444">
+                <a:tc>
+                  <a:txBody>
+                    <a:bodyPr/>
+                    <a:lstStyle/>
+                    <a:p>
+                      <a:pPr marL="0" marR="0" lvl="0" indent="0" algn="l" defTabSz="914400" rtl="0" eaLnBrk="1" fontAlgn="auto" latinLnBrk="0" hangingPunct="1">
+                        <a:lnSpc>
+                          <a:spcPct val="100000"/>
+                        </a:lnSpc>
+                        <a:spcBef>
+                          <a:spcPts val="0"/>
+                        </a:spcBef>
+                        <a:spcAft>
+                          <a:spcPts val="0"/>
+                        </a:spcAft>
+                        <a:buClrTx/>
+                        <a:buSzTx/>
+                        <a:buFontTx/>
+                        <a:buNone/>
+                        <a:tabLst/>
+                        <a:defRPr/>
+                      </a:pPr>
+                      <a:r>
+                        <a:rPr lang="en-IN" sz="1400" dirty="0"/>
+                        <a:t>6. Publishing the research paper.</a:t>
+                      </a:r>
+                    </a:p>
+                  </a:txBody>
+                  <a:tcPr/>
+                </a:tc>
+                <a:tc>
+                  <a:txBody>
+                    <a:bodyPr/>
+                    <a:lstStyle/>
+                    <a:p>
+                      <a:pPr marL="0" marR="0" lvl="0" indent="0" algn="l" defTabSz="914400" rtl="0" eaLnBrk="1" fontAlgn="auto" latinLnBrk="0" hangingPunct="1">
+                        <a:lnSpc>
+                          <a:spcPct val="100000"/>
+                        </a:lnSpc>
+                        <a:spcBef>
+                          <a:spcPts val="0"/>
+                        </a:spcBef>
+                        <a:spcAft>
+                          <a:spcPts val="0"/>
+                        </a:spcAft>
+                        <a:buClrTx/>
+                        <a:buSzTx/>
+                        <a:buFontTx/>
+                        <a:buNone/>
+                        <a:tabLst/>
+                        <a:defRPr/>
+                      </a:pPr>
+                      <a:r>
+                        <a:rPr lang="en-IN" sz="1400" dirty="0"/>
+                        <a:t>Based on the comparison of metrics between the different models used, and after enhancing the metrics, the results will be shared in the research paper.</a:t>
+                      </a:r>
+                    </a:p>
+                    <a:p>
+                      <a:endParaRPr lang="en-US" sz="1400" dirty="0"/>
+                    </a:p>
+                  </a:txBody>
+                  <a:tcPr/>
+                </a:tc>
+                <a:tc>
+                  <a:txBody>
+                    <a:bodyPr/>
+                    <a:lstStyle/>
+                    <a:p>
+                      <a:r>
+                        <a:rPr lang="en-US" sz="1400" dirty="0"/>
+                        <a:t>30.11.24</a:t>
+                      </a:r>
+                    </a:p>
+                  </a:txBody>
+                  <a:tcPr/>
+                </a:tc>
+                <a:extLst>
+                  <a:ext uri="{0D108BD9-81ED-4DB2-BD59-A6C34878D82A}">
+                    <a16:rowId xmlns:a16="http://schemas.microsoft.com/office/drawing/2014/main" val="300379988"/>
                   </a:ext>
                 </a:extLst>
               </a:tr>
@@ -5197,7 +5094,7 @@
 </p:sld>
 </file>
 
-<file path=ppt/slides/slide6.xml><?xml version="1.0" encoding="utf-8"?>
+<file path=ppt/slides/slide5.xml><?xml version="1.0" encoding="utf-8"?>
 <p:sld xmlns:a="http://schemas.openxmlformats.org/drawingml/2006/main" xmlns:r="http://schemas.openxmlformats.org/officeDocument/2006/relationships" xmlns:p="http://schemas.openxmlformats.org/presentationml/2006/main">
   <p:cSld>
     <p:bg>
@@ -5313,7 +5210,7 @@
                 </a:spcAft>
                 <a:defRPr/>
               </a:pPr>
-              <a:t>6</a:t>
+              <a:t>5</a:t>
             </a:fld>
             <a:endParaRPr lang="en-US">
               <a:solidFill>
